--- a/Project 9 - Weather Prediction Model/Milestones/Rodriguez_Felipe_DSC680_Presentation_Project2.pptx
+++ b/Project 9 - Weather Prediction Model/Milestones/Rodriguez_Felipe_DSC680_Presentation_Project2.pptx
@@ -129,7 +129,7 @@
 <file path=ppt/revisionInfo.xml><?xml version="1.0" encoding="utf-8"?>
 <p1510:revInfo xmlns:a="http://schemas.openxmlformats.org/drawingml/2006/main" xmlns:r="http://schemas.openxmlformats.org/officeDocument/2006/relationships" xmlns:p1510="http://schemas.microsoft.com/office/powerpoint/2015/10/main">
   <p1510:revLst>
-    <p1510:client id="{2DC92C38-E9FB-4A47-BA30-8B708588FA25}" v="37" dt="2024-04-07T21:09:20.025"/>
+    <p1510:client id="{B16623AC-14FF-6D4D-836D-E0172D88CAF7}" v="6" dt="2024-05-05T16:06:01.378"/>
   </p1510:revLst>
 </p1510:revInfo>
 </file>
@@ -3057,10 +3057,10 @@
         <a:lstStyle/>
         <a:p>
           <a:r>
-            <a:rPr lang="en-US" baseline="0"/>
-            <a:t>Understand Factors that influences the weather </a:t>
+            <a:rPr lang="en-US" baseline="0" dirty="0"/>
+            <a:t>Understand Factors that influences London weather </a:t>
           </a:r>
-          <a:endParaRPr lang="en-US"/>
+          <a:endParaRPr lang="en-US" dirty="0"/>
         </a:p>
       </dgm:t>
     </dgm:pt>
@@ -4687,7 +4687,7 @@
         </a:bodyPr>
         <a:lstStyle/>
         <a:p>
-          <a:pPr marL="0" lvl="0" indent="0" algn="ctr" defTabSz="977900">
+          <a:pPr marL="0" lvl="0" indent="0" algn="ctr" defTabSz="933450">
             <a:lnSpc>
               <a:spcPct val="90000"/>
             </a:lnSpc>
@@ -4700,10 +4700,10 @@
             <a:buNone/>
           </a:pPr>
           <a:r>
-            <a:rPr lang="en-US" sz="2200" kern="1200" baseline="0"/>
-            <a:t>Understand Factors that influences the weather </a:t>
+            <a:rPr lang="en-US" sz="2100" kern="1200" baseline="0" dirty="0"/>
+            <a:t>Understand Factors that influences London weather </a:t>
           </a:r>
-          <a:endParaRPr lang="en-US" sz="2200" kern="1200"/>
+          <a:endParaRPr lang="en-US" sz="2100" kern="1200" dirty="0"/>
         </a:p>
       </dsp:txBody>
       <dsp:txXfrm>
@@ -4797,7 +4797,7 @@
         </a:bodyPr>
         <a:lstStyle/>
         <a:p>
-          <a:pPr marL="0" lvl="0" indent="0" algn="ctr" defTabSz="977900">
+          <a:pPr marL="0" lvl="0" indent="0" algn="ctr" defTabSz="933450">
             <a:lnSpc>
               <a:spcPct val="90000"/>
             </a:lnSpc>
@@ -4810,10 +4810,10 @@
             <a:buNone/>
           </a:pPr>
           <a:r>
-            <a:rPr lang="en-US" sz="2200" kern="1200" baseline="0"/>
+            <a:rPr lang="en-US" sz="2100" kern="1200" baseline="0"/>
             <a:t>Build a model to predict weather in London</a:t>
           </a:r>
-          <a:endParaRPr lang="en-US" sz="2200" kern="1200"/>
+          <a:endParaRPr lang="en-US" sz="2100" kern="1200"/>
         </a:p>
       </dsp:txBody>
       <dsp:txXfrm>
@@ -4907,7 +4907,7 @@
         </a:bodyPr>
         <a:lstStyle/>
         <a:p>
-          <a:pPr marL="0" lvl="0" indent="0" algn="ctr" defTabSz="977900">
+          <a:pPr marL="0" lvl="0" indent="0" algn="ctr" defTabSz="933450">
             <a:lnSpc>
               <a:spcPct val="90000"/>
             </a:lnSpc>
@@ -4920,10 +4920,10 @@
             <a:buNone/>
           </a:pPr>
           <a:r>
-            <a:rPr lang="en-US" sz="2200" kern="1200" baseline="0"/>
+            <a:rPr lang="en-US" sz="2100" kern="1200" baseline="0"/>
             <a:t>Understand weather trends for event bookings</a:t>
           </a:r>
-          <a:endParaRPr lang="en-US" sz="2200" kern="1200"/>
+          <a:endParaRPr lang="en-US" sz="2100" kern="1200"/>
         </a:p>
       </dsp:txBody>
       <dsp:txXfrm>
@@ -9961,7 +9961,15 @@
           <a:p>
             <a:r>
               <a:rPr lang="en-US" dirty="0"/>
-              <a:t>Welcome everyone to the New York Home Price Modeling Presentation</a:t>
+              <a:t>Welcome everyone to the London Weather </a:t>
+            </a:r>
+            <a:r>
+              <a:rPr lang="en-US" dirty="0" err="1"/>
+              <a:t>Predcition</a:t>
+            </a:r>
+            <a:r>
+              <a:rPr lang="en-US" dirty="0"/>
+              <a:t> Modeling Presentation</a:t>
             </a:r>
           </a:p>
         </p:txBody>
@@ -10144,7 +10152,7 @@
           <a:p>
             <a:r>
               <a:rPr lang="en-US" dirty="0"/>
-              <a:t>These benefits will allow the team to schedule events for clients by planning with months of anticipation</a:t>
+              <a:t>Ny understanding these trends the team can schedule events for clients by planning with months of anticipation and have a better idea of the weather conditions will be during the date they selected.</a:t>
             </a:r>
           </a:p>
         </p:txBody>
@@ -10240,7 +10248,15 @@
           <a:p>
             <a:r>
               <a:rPr lang="en-US" dirty="0"/>
-              <a:t>It is sourced from..</a:t>
+              <a:t>It is sourced from.. </a:t>
+            </a:r>
+            <a:r>
+              <a:rPr lang="en-US" dirty="0" err="1"/>
+              <a:t>european</a:t>
+            </a:r>
+            <a:r>
+              <a:rPr lang="en-US" dirty="0"/>
+              <a:t> climate assessment</a:t>
             </a:r>
           </a:p>
           <a:p>
@@ -10370,12 +10386,6 @@
             <a:endParaRPr lang="en-US" dirty="0"/>
           </a:p>
           <a:p>
-            <a:r>
-              <a:rPr lang="en-US" dirty="0"/>
-              <a:t>As well as a geospatial map to understand where the prices are being source from in relation to the city. </a:t>
-            </a:r>
-          </a:p>
-          <a:p>
             <a:endParaRPr lang="en-US" dirty="0"/>
           </a:p>
         </p:txBody>
@@ -10417,6 +10427,105 @@
 </file>
 
 <file path=ppt/notesSlides/notesSlide6.xml><?xml version="1.0" encoding="utf-8"?>
+<p:notes xmlns:a="http://schemas.openxmlformats.org/drawingml/2006/main" xmlns:r="http://schemas.openxmlformats.org/officeDocument/2006/relationships" xmlns:p="http://schemas.openxmlformats.org/presentationml/2006/main">
+  <p:cSld>
+    <p:spTree>
+      <p:nvGrpSpPr>
+        <p:cNvPr id="1" name=""/>
+        <p:cNvGrpSpPr/>
+        <p:nvPr/>
+      </p:nvGrpSpPr>
+      <p:grpSpPr>
+        <a:xfrm>
+          <a:off x="0" y="0"/>
+          <a:ext cx="0" cy="0"/>
+          <a:chOff x="0" y="0"/>
+          <a:chExt cx="0" cy="0"/>
+        </a:xfrm>
+      </p:grpSpPr>
+      <p:sp>
+        <p:nvSpPr>
+          <p:cNvPr id="2" name="Slide Image Placeholder 1"/>
+          <p:cNvSpPr>
+            <a:spLocks noGrp="1" noRot="1" noChangeAspect="1"/>
+          </p:cNvSpPr>
+          <p:nvPr>
+            <p:ph type="sldImg"/>
+          </p:nvPr>
+        </p:nvSpPr>
+        <p:spPr/>
+      </p:sp>
+      <p:sp>
+        <p:nvSpPr>
+          <p:cNvPr id="3" name="Notes Placeholder 2"/>
+          <p:cNvSpPr>
+            <a:spLocks noGrp="1"/>
+          </p:cNvSpPr>
+          <p:nvPr>
+            <p:ph type="body" idx="1"/>
+          </p:nvPr>
+        </p:nvSpPr>
+        <p:spPr/>
+        <p:txBody>
+          <a:bodyPr/>
+          <a:lstStyle/>
+          <a:p>
+            <a:r>
+              <a:rPr lang="en-US" dirty="0"/>
+              <a:t>Months played..</a:t>
+            </a:r>
+          </a:p>
+          <a:p>
+            <a:r>
+              <a:rPr lang="en-US" dirty="0"/>
+              <a:t>As we see in the values.. </a:t>
+            </a:r>
+          </a:p>
+          <a:p>
+            <a:r>
+              <a:rPr lang="en-US" dirty="0"/>
+              <a:t>closer to 1 indicates a high correlation</a:t>
+            </a:r>
+          </a:p>
+        </p:txBody>
+      </p:sp>
+      <p:sp>
+        <p:nvSpPr>
+          <p:cNvPr id="4" name="Slide Number Placeholder 3"/>
+          <p:cNvSpPr>
+            <a:spLocks noGrp="1"/>
+          </p:cNvSpPr>
+          <p:nvPr>
+            <p:ph type="sldNum" sz="quarter" idx="5"/>
+          </p:nvPr>
+        </p:nvSpPr>
+        <p:spPr/>
+        <p:txBody>
+          <a:bodyPr/>
+          <a:lstStyle/>
+          <a:p>
+            <a:fld id="{37A39BB9-ED6F-9E4B-A06D-A4DEEAA4C78A}" type="slidenum">
+              <a:rPr lang="en-US" smtClean="0"/>
+              <a:t>6</a:t>
+            </a:fld>
+            <a:endParaRPr lang="en-US"/>
+          </a:p>
+        </p:txBody>
+      </p:sp>
+    </p:spTree>
+    <p:extLst>
+      <p:ext uri="{BB962C8B-B14F-4D97-AF65-F5344CB8AC3E}">
+        <p14:creationId xmlns:p14="http://schemas.microsoft.com/office/powerpoint/2010/main" val="967978109"/>
+      </p:ext>
+    </p:extLst>
+  </p:cSld>
+  <p:clrMapOvr>
+    <a:masterClrMapping/>
+  </p:clrMapOvr>
+</p:notes>
+</file>
+
+<file path=ppt/notesSlides/notesSlide7.xml><?xml version="1.0" encoding="utf-8"?>
 <p:notes xmlns:a="http://schemas.openxmlformats.org/drawingml/2006/main" xmlns:r="http://schemas.openxmlformats.org/officeDocument/2006/relationships" xmlns:p="http://schemas.openxmlformats.org/presentationml/2006/main">
   <p:cSld>
     <p:spTree>
@@ -18051,7 +18160,7 @@
             <p:ph idx="1"/>
             <p:extLst>
               <p:ext uri="{D42A27DB-BD31-4B8C-83A1-F6EECF244321}">
-                <p14:modId xmlns:p14="http://schemas.microsoft.com/office/powerpoint/2010/main" val="1861163728"/>
+                <p14:modId xmlns:p14="http://schemas.microsoft.com/office/powerpoint/2010/main" val="3050895713"/>
               </p:ext>
             </p:extLst>
           </p:nvPr>
@@ -18711,7 +18820,7 @@
           <p:nvPr/>
         </p:nvPicPr>
         <p:blipFill>
-          <a:blip r:embed="rId2"/>
+          <a:blip r:embed="rId3"/>
           <a:stretch>
             <a:fillRect/>
           </a:stretch>
@@ -18771,7 +18880,7 @@
           </p:nvPr>
         </p:nvPicPr>
         <p:blipFill>
-          <a:blip r:embed="rId3">
+          <a:blip r:embed="rId4">
             <a:extLst>
               <a:ext uri="{28A0092B-C50C-407E-A947-70E740481C1C}">
                 <a14:useLocalDpi xmlns:a14="http://schemas.microsoft.com/office/drawing/2010/main" val="0"/>
